--- a/1.pptx
+++ b/1.pptx
@@ -5,9 +5,8 @@
     <p:sldMasterId id="2147483648" r:id="rId1"/>
   </p:sldMasterIdLst>
   <p:sldIdLst>
-    <p:sldId id="257" r:id="rId2"/>
-    <p:sldId id="260" r:id="rId3"/>
-    <p:sldId id="259" r:id="rId4"/>
+    <p:sldId id="261" r:id="rId2"/>
+    <p:sldId id="262" r:id="rId3"/>
   </p:sldIdLst>
   <p:sldSz cx="12192000" cy="6858000"/>
   <p:notesSz cx="6858000" cy="9144000"/>
@@ -254,7 +253,7 @@
           <a:p>
             <a:fld id="{16EA4424-2F4E-414C-9992-1E8FD1CA1D80}" type="datetimeFigureOut">
               <a:rPr lang="en-US" smtClean="0"/>
-              <a:t>8/9/2022</a:t>
+              <a:t>8/10/2022</a:t>
             </a:fld>
             <a:endParaRPr lang="en-US"/>
           </a:p>
@@ -422,7 +421,7 @@
           <a:p>
             <a:fld id="{16EA4424-2F4E-414C-9992-1E8FD1CA1D80}" type="datetimeFigureOut">
               <a:rPr lang="en-US" smtClean="0"/>
-              <a:t>8/9/2022</a:t>
+              <a:t>8/10/2022</a:t>
             </a:fld>
             <a:endParaRPr lang="en-US"/>
           </a:p>
@@ -600,7 +599,7 @@
           <a:p>
             <a:fld id="{16EA4424-2F4E-414C-9992-1E8FD1CA1D80}" type="datetimeFigureOut">
               <a:rPr lang="en-US" smtClean="0"/>
-              <a:t>8/9/2022</a:t>
+              <a:t>8/10/2022</a:t>
             </a:fld>
             <a:endParaRPr lang="en-US"/>
           </a:p>
@@ -768,7 +767,7 @@
           <a:p>
             <a:fld id="{16EA4424-2F4E-414C-9992-1E8FD1CA1D80}" type="datetimeFigureOut">
               <a:rPr lang="en-US" smtClean="0"/>
-              <a:t>8/9/2022</a:t>
+              <a:t>8/10/2022</a:t>
             </a:fld>
             <a:endParaRPr lang="en-US"/>
           </a:p>
@@ -1013,7 +1012,7 @@
           <a:p>
             <a:fld id="{16EA4424-2F4E-414C-9992-1E8FD1CA1D80}" type="datetimeFigureOut">
               <a:rPr lang="en-US" smtClean="0"/>
-              <a:t>8/9/2022</a:t>
+              <a:t>8/10/2022</a:t>
             </a:fld>
             <a:endParaRPr lang="en-US"/>
           </a:p>
@@ -1242,7 +1241,7 @@
           <a:p>
             <a:fld id="{16EA4424-2F4E-414C-9992-1E8FD1CA1D80}" type="datetimeFigureOut">
               <a:rPr lang="en-US" smtClean="0"/>
-              <a:t>8/9/2022</a:t>
+              <a:t>8/10/2022</a:t>
             </a:fld>
             <a:endParaRPr lang="en-US"/>
           </a:p>
@@ -1606,7 +1605,7 @@
           <a:p>
             <a:fld id="{16EA4424-2F4E-414C-9992-1E8FD1CA1D80}" type="datetimeFigureOut">
               <a:rPr lang="en-US" smtClean="0"/>
-              <a:t>8/9/2022</a:t>
+              <a:t>8/10/2022</a:t>
             </a:fld>
             <a:endParaRPr lang="en-US"/>
           </a:p>
@@ -1723,7 +1722,7 @@
           <a:p>
             <a:fld id="{16EA4424-2F4E-414C-9992-1E8FD1CA1D80}" type="datetimeFigureOut">
               <a:rPr lang="en-US" smtClean="0"/>
-              <a:t>8/9/2022</a:t>
+              <a:t>8/10/2022</a:t>
             </a:fld>
             <a:endParaRPr lang="en-US"/>
           </a:p>
@@ -1818,7 +1817,7 @@
           <a:p>
             <a:fld id="{16EA4424-2F4E-414C-9992-1E8FD1CA1D80}" type="datetimeFigureOut">
               <a:rPr lang="en-US" smtClean="0"/>
-              <a:t>8/9/2022</a:t>
+              <a:t>8/10/2022</a:t>
             </a:fld>
             <a:endParaRPr lang="en-US"/>
           </a:p>
@@ -2093,7 +2092,7 @@
           <a:p>
             <a:fld id="{16EA4424-2F4E-414C-9992-1E8FD1CA1D80}" type="datetimeFigureOut">
               <a:rPr lang="en-US" smtClean="0"/>
-              <a:t>8/9/2022</a:t>
+              <a:t>8/10/2022</a:t>
             </a:fld>
             <a:endParaRPr lang="en-US"/>
           </a:p>
@@ -2345,7 +2344,7 @@
           <a:p>
             <a:fld id="{16EA4424-2F4E-414C-9992-1E8FD1CA1D80}" type="datetimeFigureOut">
               <a:rPr lang="en-US" smtClean="0"/>
-              <a:t>8/9/2022</a:t>
+              <a:t>8/10/2022</a:t>
             </a:fld>
             <a:endParaRPr lang="en-US"/>
           </a:p>
@@ -2562,7 +2561,7 @@
           <a:p>
             <a:fld id="{16EA4424-2F4E-414C-9992-1E8FD1CA1D80}" type="datetimeFigureOut">
               <a:rPr lang="en-US" smtClean="0"/>
-              <a:t>8/9/2022</a:t>
+              <a:t>8/10/2022</a:t>
             </a:fld>
             <a:endParaRPr lang="en-US"/>
           </a:p>
@@ -2961,7 +2960,7 @@
           </a:blip>
           <a:srcRect/>
           <a:stretch>
-            <a:fillRect/>
+            <a:fillRect t="-9000" b="-9000"/>
           </a:stretch>
         </a:blipFill>
         <a:effectLst/>
@@ -3022,15 +3021,22 @@
             </a:lvl1pPr>
           </a:lstStyle>
           <a:p>
-            <a:pPr algn="l"/>
+            <a:pPr algn="r"/>
             <a:r>
               <a:rPr lang="en-US" dirty="0">
                 <a:solidFill>
                   <a:schemeClr val="bg1"/>
                 </a:solidFill>
+                <a:effectLst>
+                  <a:outerShdw blurRad="38100" dist="38100" dir="2700000" algn="tl">
+                    <a:srgbClr val="000000">
+                      <a:alpha val="43137"/>
+                    </a:srgbClr>
+                  </a:outerShdw>
+                </a:effectLst>
                 <a:latin typeface="SF Pro Display" panose="00000500000000000000" pitchFamily="2" charset="0"/>
               </a:rPr>
-              <a:t>Episode 1/2</a:t>
+              <a:t>Episode 1/5</a:t>
             </a:r>
           </a:p>
         </p:txBody>
@@ -3052,37 +3058,27 @@
           </a:xfrm>
         </p:spPr>
         <p:txBody>
-          <a:bodyPr anchor="t">
+          <a:bodyPr anchor="b">
             <a:noAutofit/>
           </a:bodyPr>
           <a:lstStyle/>
           <a:p>
-            <a:pPr algn="l"/>
-            <a:r>
-              <a:rPr lang="en-US" sz="10000" b="1" spc="300" dirty="0">
+            <a:pPr algn="r"/>
+            <a:r>
+              <a:rPr lang="en-US" sz="8000" b="1" spc="300" dirty="0">
                 <a:solidFill>
                   <a:schemeClr val="bg1"/>
                 </a:solidFill>
+                <a:effectLst>
+                  <a:outerShdw blurRad="38100" dist="38100" dir="2700000" algn="tl">
+                    <a:srgbClr val="000000">
+                      <a:alpha val="43137"/>
+                    </a:srgbClr>
+                  </a:outerShdw>
+                </a:effectLst>
                 <a:latin typeface="SF Pro Display" panose="00000500000000000000" pitchFamily="2" charset="0"/>
               </a:rPr>
-              <a:t>Kubernetes</a:t>
-            </a:r>
-            <a:br>
-              <a:rPr lang="en-US" sz="10000" b="1" spc="300" dirty="0">
-                <a:solidFill>
-                  <a:schemeClr val="bg1"/>
-                </a:solidFill>
-                <a:latin typeface="SF Pro Display" panose="00000500000000000000" pitchFamily="2" charset="0"/>
-              </a:rPr>
-            </a:br>
-            <a:r>
-              <a:rPr lang="en-US" sz="8500" b="1" spc="300" dirty="0">
-                <a:solidFill>
-                  <a:schemeClr val="bg1"/>
-                </a:solidFill>
-                <a:latin typeface="SF Pro Display" panose="00000500000000000000" pitchFamily="2" charset="0"/>
-              </a:rPr>
-              <a:t>Certified Administrator (CKA)</a:t>
+              <a:t>Writing Clearly Publications Work</a:t>
             </a:r>
           </a:p>
         </p:txBody>
@@ -3090,7 +3086,7 @@
     </p:spTree>
     <p:extLst>
       <p:ext uri="{BB962C8B-B14F-4D97-AF65-F5344CB8AC3E}">
-        <p14:creationId xmlns:p14="http://schemas.microsoft.com/office/powerpoint/2010/main" val="82824198"/>
+        <p14:creationId xmlns:p14="http://schemas.microsoft.com/office/powerpoint/2010/main" val="3070973823"/>
       </p:ext>
     </p:extLst>
   </p:cSld>
@@ -3111,7 +3107,7 @@
           </a:blip>
           <a:srcRect/>
           <a:stretch>
-            <a:fillRect/>
+            <a:fillRect t="-9000" b="-9000"/>
           </a:stretch>
         </a:blipFill>
         <a:effectLst/>
@@ -3178,9 +3174,16 @@
                 <a:solidFill>
                   <a:schemeClr val="bg1"/>
                 </a:solidFill>
+                <a:effectLst>
+                  <a:outerShdw blurRad="38100" dist="38100" dir="2700000" algn="tl">
+                    <a:srgbClr val="000000">
+                      <a:alpha val="43137"/>
+                    </a:srgbClr>
+                  </a:outerShdw>
+                </a:effectLst>
                 <a:latin typeface="SF Pro Display" panose="00000500000000000000" pitchFamily="2" charset="0"/>
               </a:rPr>
-              <a:t>Episode 2/2</a:t>
+              <a:t>Full Episode</a:t>
             </a:r>
           </a:p>
         </p:txBody>
@@ -3202,113 +3205,14 @@
           </a:xfrm>
         </p:spPr>
         <p:txBody>
-          <a:bodyPr anchor="t">
+          <a:bodyPr anchor="b">
             <a:noAutofit/>
           </a:bodyPr>
           <a:lstStyle/>
           <a:p>
             <a:pPr algn="l"/>
             <a:r>
-              <a:rPr lang="en-US" sz="10000" b="1" spc="300" dirty="0">
-                <a:solidFill>
-                  <a:schemeClr val="bg1"/>
-                </a:solidFill>
-                <a:latin typeface="SF Pro Display" panose="00000500000000000000" pitchFamily="2" charset="0"/>
-              </a:rPr>
-              <a:t>Kubernetes</a:t>
-            </a:r>
-            <a:br>
-              <a:rPr lang="en-US" sz="10000" b="1" spc="300" dirty="0">
-                <a:solidFill>
-                  <a:schemeClr val="bg1"/>
-                </a:solidFill>
-                <a:latin typeface="SF Pro Display" panose="00000500000000000000" pitchFamily="2" charset="0"/>
-              </a:rPr>
-            </a:br>
-            <a:r>
-              <a:rPr lang="en-US" sz="8500" b="1" spc="300" dirty="0">
-                <a:solidFill>
-                  <a:schemeClr val="bg1"/>
-                </a:solidFill>
-                <a:latin typeface="SF Pro Display" panose="00000500000000000000" pitchFamily="2" charset="0"/>
-              </a:rPr>
-              <a:t>Certified Administrator (CKA)</a:t>
-            </a:r>
-          </a:p>
-        </p:txBody>
-      </p:sp>
-    </p:spTree>
-    <p:extLst>
-      <p:ext uri="{BB962C8B-B14F-4D97-AF65-F5344CB8AC3E}">
-        <p14:creationId xmlns:p14="http://schemas.microsoft.com/office/powerpoint/2010/main" val="1729860015"/>
-      </p:ext>
-    </p:extLst>
-  </p:cSld>
-  <p:clrMapOvr>
-    <a:masterClrMapping/>
-  </p:clrMapOvr>
-</p:sld>
-</file>
-
-<file path=ppt/slides/slide3.xml><?xml version="1.0" encoding="utf-8"?>
-<p:sld xmlns:a="http://schemas.openxmlformats.org/drawingml/2006/main" xmlns:r="http://schemas.openxmlformats.org/officeDocument/2006/relationships" xmlns:p="http://schemas.openxmlformats.org/presentationml/2006/main">
-  <p:cSld>
-    <p:bg>
-      <p:bgPr>
-        <a:blipFill dpi="0" rotWithShape="1">
-          <a:blip r:embed="rId2">
-            <a:lum/>
-          </a:blip>
-          <a:srcRect/>
-          <a:stretch>
-            <a:fillRect t="-8000" b="-8000"/>
-          </a:stretch>
-        </a:blipFill>
-        <a:effectLst/>
-      </p:bgPr>
-    </p:bg>
-    <p:spTree>
-      <p:nvGrpSpPr>
-        <p:cNvPr id="1" name=""/>
-        <p:cNvGrpSpPr/>
-        <p:nvPr/>
-      </p:nvGrpSpPr>
-      <p:grpSpPr>
-        <a:xfrm>
-          <a:off x="0" y="0"/>
-          <a:ext cx="0" cy="0"/>
-          <a:chOff x="0" y="0"/>
-          <a:chExt cx="0" cy="0"/>
-        </a:xfrm>
-      </p:grpSpPr>
-      <p:sp>
-        <p:nvSpPr>
-          <p:cNvPr id="2" name="Title 1"/>
-          <p:cNvSpPr>
-            <a:spLocks noGrp="1"/>
-          </p:cNvSpPr>
-          <p:nvPr>
-            <p:ph type="ctrTitle"/>
-          </p:nvPr>
-        </p:nvSpPr>
-        <p:spPr>
-          <a:xfrm>
-            <a:off x="609600" y="1828800"/>
-            <a:ext cx="10972800" cy="4572000"/>
-          </a:xfrm>
-        </p:spPr>
-        <p:txBody>
-          <a:bodyPr anchor="t">
-            <a:noAutofit/>
-          </a:bodyPr>
-          <a:lstStyle/>
-          <a:p>
-            <a:pPr algn="l"/>
-            <a:r>
-              <a:rPr lang="en-US" sz="7000" b="1" spc="300" dirty="0">
-                <a:ln w="38100">
-                  <a:noFill/>
-                </a:ln>
+              <a:rPr lang="en-US" b="1" spc="300" dirty="0">
                 <a:solidFill>
                   <a:schemeClr val="bg1"/>
                 </a:solidFill>
@@ -3321,13 +3225,10 @@
                 </a:effectLst>
                 <a:latin typeface="SF Pro Display" panose="00000500000000000000" pitchFamily="2" charset="0"/>
               </a:rPr>
-              <a:t>JavaScript Refactoring </a:t>
+              <a:t>Salary Negotiation </a:t>
             </a:r>
             <a:br>
-              <a:rPr lang="en-US" sz="8500" b="1" spc="300" dirty="0">
-                <a:ln w="38100">
-                  <a:noFill/>
-                </a:ln>
+              <a:rPr lang="en-US" b="1" spc="300" dirty="0">
                 <a:solidFill>
                   <a:schemeClr val="bg1"/>
                 </a:solidFill>
@@ -3342,10 +3243,7 @@
               </a:rPr>
             </a:br>
             <a:r>
-              <a:rPr lang="en-US" sz="11000" b="1" spc="300" dirty="0">
-                <a:ln w="38100">
-                  <a:noFill/>
-                </a:ln>
+              <a:rPr lang="en-US" b="1" spc="300" dirty="0">
                 <a:solidFill>
                   <a:schemeClr val="bg1"/>
                 </a:solidFill>
@@ -3358,55 +3256,10 @@
                 </a:effectLst>
                 <a:latin typeface="SF Pro Display" panose="00000500000000000000" pitchFamily="2" charset="0"/>
               </a:rPr>
-              <a:t>Improve Code Quality</a:t>
-            </a:r>
-          </a:p>
-        </p:txBody>
-      </p:sp>
-      <p:sp>
-        <p:nvSpPr>
-          <p:cNvPr id="4" name="Title 3"/>
-          <p:cNvSpPr txBox="1">
-            <a:spLocks/>
-          </p:cNvSpPr>
-          <p:nvPr/>
-        </p:nvSpPr>
-        <p:spPr>
-          <a:xfrm>
-            <a:off x="609600" y="634483"/>
-            <a:ext cx="10972800" cy="970380"/>
-          </a:xfrm>
-          <a:prstGeom prst="rect">
-            <a:avLst/>
-          </a:prstGeom>
-        </p:spPr>
-        <p:txBody>
-          <a:bodyPr vert="horz" lIns="91440" tIns="45720" rIns="91440" bIns="45720" rtlCol="0" anchor="b">
-            <a:normAutofit/>
-          </a:bodyPr>
-          <a:lstStyle>
-            <a:lvl1pPr algn="ctr" defTabSz="914400" rtl="0" eaLnBrk="1" latinLnBrk="0" hangingPunct="1">
-              <a:lnSpc>
-                <a:spcPct val="90000"/>
-              </a:lnSpc>
-              <a:spcBef>
-                <a:spcPct val="0"/>
-              </a:spcBef>
-              <a:buNone/>
-              <a:defRPr sz="6000" kern="1200">
-                <a:solidFill>
-                  <a:schemeClr val="tx1"/>
-                </a:solidFill>
-                <a:latin typeface="+mj-lt"/>
-                <a:ea typeface="+mj-ea"/>
-                <a:cs typeface="+mj-cs"/>
-              </a:defRPr>
-            </a:lvl1pPr>
-          </a:lstStyle>
-          <a:p>
-            <a:pPr algn="l"/>
-            <a:r>
-              <a:rPr lang="en-US" dirty="0">
+              <a:t>How To Negotiate </a:t>
+            </a:r>
+            <a:br>
+              <a:rPr lang="en-US" b="1" spc="300" dirty="0">
                 <a:solidFill>
                   <a:schemeClr val="bg1"/>
                 </a:solidFill>
@@ -3419,7 +3272,22 @@
                 </a:effectLst>
                 <a:latin typeface="SF Pro Display" panose="00000500000000000000" pitchFamily="2" charset="0"/>
               </a:rPr>
-              <a:t>Full Episode</a:t>
+            </a:br>
+            <a:r>
+              <a:rPr lang="en-US" b="1" spc="300" dirty="0">
+                <a:solidFill>
+                  <a:schemeClr val="bg1"/>
+                </a:solidFill>
+                <a:effectLst>
+                  <a:outerShdw blurRad="38100" dist="38100" dir="2700000" algn="tl">
+                    <a:srgbClr val="000000">
+                      <a:alpha val="43137"/>
+                    </a:srgbClr>
+                  </a:outerShdw>
+                </a:effectLst>
+                <a:latin typeface="SF Pro Display" panose="00000500000000000000" pitchFamily="2" charset="0"/>
+              </a:rPr>
+              <a:t>A Raise Or Promotion</a:t>
             </a:r>
           </a:p>
         </p:txBody>
@@ -3427,7 +3295,7 @@
     </p:spTree>
     <p:extLst>
       <p:ext uri="{BB962C8B-B14F-4D97-AF65-F5344CB8AC3E}">
-        <p14:creationId xmlns:p14="http://schemas.microsoft.com/office/powerpoint/2010/main" val="4033154022"/>
+        <p14:creationId xmlns:p14="http://schemas.microsoft.com/office/powerpoint/2010/main" val="3815895874"/>
       </p:ext>
     </p:extLst>
   </p:cSld>
